--- a/Presentations/Python API-Customization-Visualization.pptx
+++ b/Presentations/Python API-Customization-Visualization.pptx
@@ -213,7 +213,7 @@
           <a:p>
             <a:fld id="{C4CAD8F6-FF7C-447F-A91D-4FA7CFC9C0C5}" type="datetimeFigureOut">
               <a:rPr lang="en-GB" smtClean="0"/>
-              <a:t>10/09/2018</a:t>
+              <a:t>11/09/2018</a:t>
             </a:fld>
             <a:endParaRPr lang="en-GB"/>
           </a:p>
@@ -383,7 +383,7 @@
             <a:fld id="{45B75E70-762A-4375-AA7C-DE9BB7CC9339}" type="datetimeFigureOut">
               <a:rPr lang="de-DE" smtClean="0"/>
               <a:pPr/>
-              <a:t>10.09.2018</a:t>
+              <a:t>11.09.2018</a:t>
             </a:fld>
             <a:endParaRPr lang="de-DE" dirty="0"/>
           </a:p>
@@ -3851,48 +3851,36 @@
         </p:nvSpPr>
         <p:spPr>
           <a:xfrm>
-            <a:off x="1201043" y="5127506"/>
-            <a:ext cx="10235602" cy="504056"/>
+            <a:off x="1201043" y="5198522"/>
+            <a:ext cx="10235602" cy="338554"/>
           </a:xfrm>
           <a:prstGeom prst="rect">
             <a:avLst/>
           </a:prstGeom>
           <a:solidFill>
-            <a:schemeClr val="tx2">
-              <a:lumMod val="20000"/>
-              <a:lumOff val="80000"/>
-            </a:schemeClr>
+            <a:schemeClr val="accent1"/>
           </a:solidFill>
-          <a:ln w="9525">
-            <a:solidFill>
-              <a:schemeClr val="tx1"/>
-            </a:solidFill>
-          </a:ln>
+          <a:effectLst>
+            <a:outerShdw blurRad="50800" dist="38100" dir="2700000" algn="tl" rotWithShape="0">
+              <a:prstClr val="black">
+                <a:alpha val="40000"/>
+              </a:prstClr>
+            </a:outerShdw>
+          </a:effectLst>
         </p:spPr>
-        <p:style>
-          <a:lnRef idx="2">
-            <a:schemeClr val="accent1">
-              <a:shade val="50000"/>
-            </a:schemeClr>
-          </a:lnRef>
-          <a:fillRef idx="1">
-            <a:schemeClr val="accent1"/>
-          </a:fillRef>
-          <a:effectRef idx="0">
-            <a:schemeClr val="accent1"/>
-          </a:effectRef>
-          <a:fontRef idx="minor">
-            <a:schemeClr val="lt1"/>
-          </a:fontRef>
-        </p:style>
-        <p:txBody>
-          <a:bodyPr rtlCol="0" anchor="ctr">
-            <a:noAutofit/>
+        <p:txBody>
+          <a:bodyPr wrap="square">
+            <a:spAutoFit/>
           </a:bodyPr>
           <a:lstStyle/>
           <a:p>
-            <a:pPr algn="ctr"/>
-            <a:endParaRPr lang="en-US" dirty="0"/>
+            <a:endParaRPr lang="en-US" sz="1600" dirty="0">
+              <a:solidFill>
+                <a:schemeClr val="bg1"/>
+              </a:solidFill>
+              <a:latin typeface="Courier New" panose="02070309020205020404" pitchFamily="49" charset="0"/>
+              <a:cs typeface="Courier New" panose="02070309020205020404" pitchFamily="49" charset="0"/>
+            </a:endParaRPr>
           </a:p>
         </p:txBody>
       </p:sp>
@@ -3905,47 +3893,44 @@
         <p:spPr>
           <a:xfrm>
             <a:off x="1201043" y="2535218"/>
-            <a:ext cx="10235602" cy="648072"/>
+            <a:ext cx="10235602" cy="584775"/>
           </a:xfrm>
           <a:prstGeom prst="rect">
             <a:avLst/>
           </a:prstGeom>
           <a:solidFill>
-            <a:schemeClr val="tx2">
-              <a:lumMod val="20000"/>
-              <a:lumOff val="80000"/>
-            </a:schemeClr>
+            <a:schemeClr val="accent1"/>
           </a:solidFill>
-          <a:ln w="9525">
-            <a:solidFill>
-              <a:schemeClr val="tx1"/>
-            </a:solidFill>
-          </a:ln>
+          <a:effectLst>
+            <a:outerShdw blurRad="50800" dist="38100" dir="2700000" algn="tl" rotWithShape="0">
+              <a:prstClr val="black">
+                <a:alpha val="40000"/>
+              </a:prstClr>
+            </a:outerShdw>
+          </a:effectLst>
         </p:spPr>
-        <p:style>
-          <a:lnRef idx="2">
-            <a:schemeClr val="accent1">
-              <a:shade val="50000"/>
-            </a:schemeClr>
-          </a:lnRef>
-          <a:fillRef idx="1">
-            <a:schemeClr val="accent1"/>
-          </a:fillRef>
-          <a:effectRef idx="0">
-            <a:schemeClr val="accent1"/>
-          </a:effectRef>
-          <a:fontRef idx="minor">
-            <a:schemeClr val="lt1"/>
-          </a:fontRef>
-        </p:style>
-        <p:txBody>
-          <a:bodyPr rtlCol="0" anchor="ctr">
-            <a:noAutofit/>
+        <p:txBody>
+          <a:bodyPr wrap="square">
+            <a:spAutoFit/>
           </a:bodyPr>
           <a:lstStyle/>
           <a:p>
-            <a:pPr algn="ctr"/>
-            <a:endParaRPr lang="en-US" dirty="0"/>
+            <a:endParaRPr lang="de-DE" sz="1600" dirty="0" smtClean="0">
+              <a:solidFill>
+                <a:schemeClr val="bg1"/>
+              </a:solidFill>
+              <a:latin typeface="Courier New" panose="02070309020205020404" pitchFamily="49" charset="0"/>
+              <a:cs typeface="Courier New" panose="02070309020205020404" pitchFamily="49" charset="0"/>
+            </a:endParaRPr>
+          </a:p>
+          <a:p>
+            <a:endParaRPr lang="en-US" sz="1600" dirty="0">
+              <a:solidFill>
+                <a:schemeClr val="bg1"/>
+              </a:solidFill>
+              <a:latin typeface="Courier New" panose="02070309020205020404" pitchFamily="49" charset="0"/>
+              <a:cs typeface="Courier New" panose="02070309020205020404" pitchFamily="49" charset="0"/>
+            </a:endParaRPr>
           </a:p>
         </p:txBody>
       </p:sp>
@@ -3957,48 +3942,36 @@
         </p:nvSpPr>
         <p:spPr>
           <a:xfrm>
-            <a:off x="1201043" y="3645818"/>
-            <a:ext cx="10235602" cy="504056"/>
+            <a:off x="1201043" y="3736876"/>
+            <a:ext cx="10235602" cy="338554"/>
           </a:xfrm>
           <a:prstGeom prst="rect">
             <a:avLst/>
           </a:prstGeom>
           <a:solidFill>
-            <a:schemeClr val="tx2">
-              <a:lumMod val="20000"/>
-              <a:lumOff val="80000"/>
-            </a:schemeClr>
+            <a:schemeClr val="accent1"/>
           </a:solidFill>
-          <a:ln w="9525">
-            <a:solidFill>
-              <a:schemeClr val="tx1"/>
-            </a:solidFill>
-          </a:ln>
+          <a:effectLst>
+            <a:outerShdw blurRad="50800" dist="38100" dir="2700000" algn="tl" rotWithShape="0">
+              <a:prstClr val="black">
+                <a:alpha val="40000"/>
+              </a:prstClr>
+            </a:outerShdw>
+          </a:effectLst>
         </p:spPr>
-        <p:style>
-          <a:lnRef idx="2">
-            <a:schemeClr val="accent1">
-              <a:shade val="50000"/>
-            </a:schemeClr>
-          </a:lnRef>
-          <a:fillRef idx="1">
-            <a:schemeClr val="accent1"/>
-          </a:fillRef>
-          <a:effectRef idx="0">
-            <a:schemeClr val="accent1"/>
-          </a:effectRef>
-          <a:fontRef idx="minor">
-            <a:schemeClr val="lt1"/>
-          </a:fontRef>
-        </p:style>
-        <p:txBody>
-          <a:bodyPr rtlCol="0" anchor="ctr">
-            <a:noAutofit/>
+        <p:txBody>
+          <a:bodyPr wrap="square">
+            <a:spAutoFit/>
           </a:bodyPr>
           <a:lstStyle/>
           <a:p>
-            <a:pPr algn="ctr"/>
-            <a:endParaRPr lang="en-US" dirty="0"/>
+            <a:endParaRPr lang="en-US" sz="1600" dirty="0">
+              <a:solidFill>
+                <a:schemeClr val="bg1"/>
+              </a:solidFill>
+              <a:latin typeface="Courier New" panose="02070309020205020404" pitchFamily="49" charset="0"/>
+              <a:cs typeface="Courier New" panose="02070309020205020404" pitchFamily="49" charset="0"/>
+            </a:endParaRPr>
           </a:p>
         </p:txBody>
       </p:sp>
@@ -4085,18 +4058,33 @@
               <a:rPr lang="en-US" sz="1600" b="1" dirty="0" smtClean="0"/>
             </a:br>
             <a:r>
-              <a:rPr lang="en-US" sz="1600" b="1" dirty="0" smtClean="0"/>
+              <a:rPr lang="en-US" sz="1600" b="1" dirty="0" smtClean="0">
+                <a:solidFill>
+                  <a:schemeClr val="bg1"/>
+                </a:solidFill>
+              </a:rPr>
               <a:t/>
             </a:r>
             <a:br>
-              <a:rPr lang="en-US" sz="1600" b="1" dirty="0" smtClean="0"/>
+              <a:rPr lang="en-US" sz="1600" b="1" dirty="0" smtClean="0">
+                <a:solidFill>
+                  <a:schemeClr val="bg1"/>
+                </a:solidFill>
+              </a:rPr>
             </a:br>
             <a:r>
-              <a:rPr lang="en-US" sz="1600" b="1" dirty="0" smtClean="0"/>
+              <a:rPr lang="en-US" sz="1600" b="1" dirty="0" smtClean="0">
+                <a:solidFill>
+                  <a:schemeClr val="bg1"/>
+                </a:solidFill>
+              </a:rPr>
               <a:t>	</a:t>
             </a:r>
             <a:r>
               <a:rPr lang="en-US" sz="1400" b="1" dirty="0" smtClean="0">
+                <a:solidFill>
+                  <a:schemeClr val="bg1"/>
+                </a:solidFill>
                 <a:latin typeface="Courier New" panose="02070309020205020404" pitchFamily="49" charset="0"/>
                 <a:cs typeface="Courier New" panose="02070309020205020404" pitchFamily="49" charset="0"/>
               </a:rPr>
@@ -4104,6 +4092,9 @@
             </a:r>
             <a:r>
               <a:rPr lang="en-US" sz="1400" dirty="0" err="1" smtClean="0">
+                <a:solidFill>
+                  <a:schemeClr val="bg1"/>
+                </a:solidFill>
                 <a:latin typeface="Courier New" panose="02070309020205020404" pitchFamily="49" charset="0"/>
                 <a:cs typeface="Courier New" panose="02070309020205020404" pitchFamily="49" charset="0"/>
               </a:rPr>
@@ -4111,6 +4102,9 @@
             </a:r>
             <a:r>
               <a:rPr lang="en-US" sz="1400" dirty="0" smtClean="0">
+                <a:solidFill>
+                  <a:schemeClr val="bg1"/>
+                </a:solidFill>
                 <a:latin typeface="Courier New" panose="02070309020205020404" pitchFamily="49" charset="0"/>
                 <a:cs typeface="Courier New" panose="02070309020205020404" pitchFamily="49" charset="0"/>
               </a:rPr>
@@ -4118,6 +4112,9 @@
             </a:r>
             <a:r>
               <a:rPr lang="en-US" sz="1400" b="1" dirty="0" smtClean="0">
+                <a:solidFill>
+                  <a:schemeClr val="bg1"/>
+                </a:solidFill>
                 <a:latin typeface="Courier New" panose="02070309020205020404" pitchFamily="49" charset="0"/>
                 <a:cs typeface="Courier New" panose="02070309020205020404" pitchFamily="49" charset="0"/>
               </a:rPr>
@@ -4125,6 +4122,9 @@
             </a:r>
             <a:r>
               <a:rPr lang="en-US" sz="1400" dirty="0" err="1" smtClean="0">
+                <a:solidFill>
+                  <a:schemeClr val="bg1"/>
+                </a:solidFill>
                 <a:latin typeface="Courier New" panose="02070309020205020404" pitchFamily="49" charset="0"/>
                 <a:cs typeface="Courier New" panose="02070309020205020404" pitchFamily="49" charset="0"/>
               </a:rPr>
@@ -4132,6 +4132,9 @@
             </a:r>
             <a:r>
               <a:rPr lang="en-US" sz="1400" dirty="0" smtClean="0">
+                <a:solidFill>
+                  <a:schemeClr val="bg1"/>
+                </a:solidFill>
                 <a:latin typeface="Courier New" panose="02070309020205020404" pitchFamily="49" charset="0"/>
                 <a:cs typeface="Courier New" panose="02070309020205020404" pitchFamily="49" charset="0"/>
               </a:rPr>
@@ -4139,12 +4142,18 @@
             </a:r>
             <a:br>
               <a:rPr lang="en-US" sz="1400" dirty="0" smtClean="0">
+                <a:solidFill>
+                  <a:schemeClr val="bg1"/>
+                </a:solidFill>
                 <a:latin typeface="Courier New" panose="02070309020205020404" pitchFamily="49" charset="0"/>
                 <a:cs typeface="Courier New" panose="02070309020205020404" pitchFamily="49" charset="0"/>
               </a:rPr>
             </a:br>
             <a:r>
               <a:rPr lang="en-US" sz="1400" dirty="0" smtClean="0">
+                <a:solidFill>
+                  <a:schemeClr val="bg1"/>
+                </a:solidFill>
                 <a:latin typeface="Courier New" panose="02070309020205020404" pitchFamily="49" charset="0"/>
                 <a:cs typeface="Courier New" panose="02070309020205020404" pitchFamily="49" charset="0"/>
               </a:rPr>
@@ -4152,6 +4161,9 @@
             </a:r>
             <a:r>
               <a:rPr lang="en-US" sz="1400" dirty="0" err="1" smtClean="0">
+                <a:solidFill>
+                  <a:schemeClr val="bg1"/>
+                </a:solidFill>
                 <a:latin typeface="Courier New" panose="02070309020205020404" pitchFamily="49" charset="0"/>
                 <a:cs typeface="Courier New" panose="02070309020205020404" pitchFamily="49" charset="0"/>
               </a:rPr>
@@ -4159,6 +4171,9 @@
             </a:r>
             <a:r>
               <a:rPr lang="en-US" sz="1400" dirty="0" smtClean="0">
+                <a:solidFill>
+                  <a:schemeClr val="bg1"/>
+                </a:solidFill>
                 <a:latin typeface="Courier New" panose="02070309020205020404" pitchFamily="49" charset="0"/>
                 <a:cs typeface="Courier New" panose="02070309020205020404" pitchFamily="49" charset="0"/>
               </a:rPr>
@@ -4166,6 +4181,9 @@
             </a:r>
             <a:r>
               <a:rPr lang="en-US" sz="1400" dirty="0" err="1" smtClean="0">
+                <a:solidFill>
+                  <a:schemeClr val="bg1"/>
+                </a:solidFill>
                 <a:latin typeface="Courier New" panose="02070309020205020404" pitchFamily="49" charset="0"/>
                 <a:cs typeface="Courier New" panose="02070309020205020404" pitchFamily="49" charset="0"/>
               </a:rPr>
@@ -4173,6 +4191,9 @@
             </a:r>
             <a:r>
               <a:rPr lang="en-US" sz="1400" dirty="0" smtClean="0">
+                <a:solidFill>
+                  <a:schemeClr val="bg1"/>
+                </a:solidFill>
                 <a:latin typeface="Courier New" panose="02070309020205020404" pitchFamily="49" charset="0"/>
                 <a:cs typeface="Courier New" panose="02070309020205020404" pitchFamily="49" charset="0"/>
               </a:rPr>
@@ -4180,6 +4201,9 @@
             </a:r>
             <a:r>
               <a:rPr lang="en-US" sz="1400" dirty="0" err="1" smtClean="0">
+                <a:solidFill>
+                  <a:schemeClr val="bg1"/>
+                </a:solidFill>
                 <a:latin typeface="Courier New" panose="02070309020205020404" pitchFamily="49" charset="0"/>
                 <a:cs typeface="Courier New" panose="02070309020205020404" pitchFamily="49" charset="0"/>
               </a:rPr>
@@ -4187,6 +4211,9 @@
             </a:r>
             <a:r>
               <a:rPr lang="en-US" sz="1400" dirty="0" smtClean="0">
+                <a:solidFill>
+                  <a:schemeClr val="bg1"/>
+                </a:solidFill>
                 <a:latin typeface="Courier New" panose="02070309020205020404" pitchFamily="49" charset="0"/>
                 <a:cs typeface="Courier New" panose="02070309020205020404" pitchFamily="49" charset="0"/>
               </a:rPr>
@@ -4194,6 +4221,9 @@
             </a:r>
             <a:r>
               <a:rPr lang="en-US" sz="1400" dirty="0" err="1" smtClean="0">
+                <a:solidFill>
+                  <a:schemeClr val="bg1"/>
+                </a:solidFill>
                 <a:latin typeface="Courier New" panose="02070309020205020404" pitchFamily="49" charset="0"/>
                 <a:cs typeface="Courier New" panose="02070309020205020404" pitchFamily="49" charset="0"/>
               </a:rPr>
@@ -4201,6 +4231,9 @@
             </a:r>
             <a:r>
               <a:rPr lang="en-US" sz="1400" dirty="0" smtClean="0">
+                <a:solidFill>
+                  <a:schemeClr val="bg1"/>
+                </a:solidFill>
                 <a:latin typeface="Courier New" panose="02070309020205020404" pitchFamily="49" charset="0"/>
                 <a:cs typeface="Courier New" panose="02070309020205020404" pitchFamily="49" charset="0"/>
               </a:rPr>
@@ -4255,6 +4288,9 @@
             </a:r>
             <a:r>
               <a:rPr lang="en-US" sz="1400" dirty="0" err="1" smtClean="0">
+                <a:solidFill>
+                  <a:schemeClr val="bg1"/>
+                </a:solidFill>
                 <a:latin typeface="Courier New" panose="02070309020205020404" pitchFamily="49" charset="0"/>
                 <a:cs typeface="Courier New" panose="02070309020205020404" pitchFamily="49" charset="0"/>
               </a:rPr>
@@ -4262,6 +4298,9 @@
             </a:r>
             <a:r>
               <a:rPr lang="en-US" sz="1400" dirty="0" smtClean="0">
+                <a:solidFill>
+                  <a:schemeClr val="bg1"/>
+                </a:solidFill>
                 <a:latin typeface="Courier New" panose="02070309020205020404" pitchFamily="49" charset="0"/>
                 <a:cs typeface="Courier New" panose="02070309020205020404" pitchFamily="49" charset="0"/>
               </a:rPr>
@@ -4269,6 +4308,9 @@
             </a:r>
             <a:r>
               <a:rPr lang="en-US" sz="1400" dirty="0" err="1" smtClean="0">
+                <a:solidFill>
+                  <a:schemeClr val="bg1"/>
+                </a:solidFill>
                 <a:latin typeface="Courier New" panose="02070309020205020404" pitchFamily="49" charset="0"/>
                 <a:cs typeface="Courier New" panose="02070309020205020404" pitchFamily="49" charset="0"/>
               </a:rPr>
@@ -4276,6 +4318,9 @@
             </a:r>
             <a:r>
               <a:rPr lang="en-US" sz="1400" dirty="0" smtClean="0">
+                <a:solidFill>
+                  <a:schemeClr val="bg1"/>
+                </a:solidFill>
                 <a:latin typeface="Courier New" panose="02070309020205020404" pitchFamily="49" charset="0"/>
                 <a:cs typeface="Courier New" panose="02070309020205020404" pitchFamily="49" charset="0"/>
               </a:rPr>
@@ -4283,6 +4328,9 @@
             </a:r>
             <a:r>
               <a:rPr lang="en-US" sz="1400" b="1" dirty="0" smtClean="0">
+                <a:solidFill>
+                  <a:schemeClr val="bg1"/>
+                </a:solidFill>
                 <a:latin typeface="Courier New" panose="02070309020205020404" pitchFamily="49" charset="0"/>
                 <a:cs typeface="Courier New" panose="02070309020205020404" pitchFamily="49" charset="0"/>
               </a:rPr>
@@ -4290,6 +4338,9 @@
             </a:r>
             <a:r>
               <a:rPr lang="en-US" sz="1400" dirty="0" smtClean="0">
+                <a:solidFill>
+                  <a:schemeClr val="bg1"/>
+                </a:solidFill>
                 <a:latin typeface="Courier New" panose="02070309020205020404" pitchFamily="49" charset="0"/>
                 <a:cs typeface="Courier New" panose="02070309020205020404" pitchFamily="49" charset="0"/>
               </a:rPr>
@@ -4341,7 +4392,14 @@
               <a:rPr lang="en-US" sz="1600" dirty="0" smtClean="0"/>
             </a:br>
             <a:r>
+              <a:rPr lang="en-US" sz="1600" dirty="0" smtClean="0"/>
+              <a:t> </a:t>
+            </a:r>
+            <a:r>
               <a:rPr lang="en-US" sz="1400" dirty="0" err="1" smtClean="0">
+                <a:solidFill>
+                  <a:schemeClr val="bg1"/>
+                </a:solidFill>
                 <a:latin typeface="Courier New" panose="02070309020205020404" pitchFamily="49" charset="0"/>
                 <a:cs typeface="Courier New" panose="02070309020205020404" pitchFamily="49" charset="0"/>
               </a:rPr>
@@ -4349,6 +4407,9 @@
             </a:r>
             <a:r>
               <a:rPr lang="en-US" sz="1400" dirty="0" smtClean="0">
+                <a:solidFill>
+                  <a:schemeClr val="bg1"/>
+                </a:solidFill>
                 <a:latin typeface="Courier New" panose="02070309020205020404" pitchFamily="49" charset="0"/>
                 <a:cs typeface="Courier New" panose="02070309020205020404" pitchFamily="49" charset="0"/>
               </a:rPr>
@@ -4461,48 +4522,36 @@
         </p:nvSpPr>
         <p:spPr>
           <a:xfrm>
-            <a:off x="696987" y="1989634"/>
-            <a:ext cx="10667650" cy="504056"/>
+            <a:off x="696987" y="2027734"/>
+            <a:ext cx="10667650" cy="338554"/>
           </a:xfrm>
           <a:prstGeom prst="rect">
             <a:avLst/>
           </a:prstGeom>
           <a:solidFill>
-            <a:schemeClr val="tx2">
-              <a:lumMod val="20000"/>
-              <a:lumOff val="80000"/>
-            </a:schemeClr>
+            <a:schemeClr val="accent1"/>
           </a:solidFill>
-          <a:ln w="9525">
-            <a:solidFill>
-              <a:schemeClr val="tx1"/>
-            </a:solidFill>
-          </a:ln>
+          <a:effectLst>
+            <a:outerShdw blurRad="50800" dist="38100" dir="2700000" algn="tl" rotWithShape="0">
+              <a:prstClr val="black">
+                <a:alpha val="40000"/>
+              </a:prstClr>
+            </a:outerShdw>
+          </a:effectLst>
         </p:spPr>
-        <p:style>
-          <a:lnRef idx="2">
-            <a:schemeClr val="accent1">
-              <a:shade val="50000"/>
-            </a:schemeClr>
-          </a:lnRef>
-          <a:fillRef idx="1">
-            <a:schemeClr val="accent1"/>
-          </a:fillRef>
-          <a:effectRef idx="0">
-            <a:schemeClr val="accent1"/>
-          </a:effectRef>
-          <a:fontRef idx="minor">
-            <a:schemeClr val="lt1"/>
-          </a:fontRef>
-        </p:style>
-        <p:txBody>
-          <a:bodyPr rtlCol="0" anchor="ctr">
-            <a:noAutofit/>
+        <p:txBody>
+          <a:bodyPr wrap="square">
+            <a:spAutoFit/>
           </a:bodyPr>
           <a:lstStyle/>
           <a:p>
-            <a:pPr algn="ctr"/>
-            <a:endParaRPr lang="en-US" dirty="0"/>
+            <a:endParaRPr lang="en-US" sz="1600" dirty="0">
+              <a:solidFill>
+                <a:schemeClr val="bg1"/>
+              </a:solidFill>
+              <a:latin typeface="Courier New" panose="02070309020205020404" pitchFamily="49" charset="0"/>
+              <a:cs typeface="Courier New" panose="02070309020205020404" pitchFamily="49" charset="0"/>
+            </a:endParaRPr>
           </a:p>
         </p:txBody>
       </p:sp>
@@ -4566,7 +4615,12 @@
             <p:ph type="body" sz="quarter" idx="12"/>
           </p:nvPr>
         </p:nvSpPr>
-        <p:spPr/>
+        <p:spPr>
+          <a:xfrm>
+            <a:off x="486000" y="1591200"/>
+            <a:ext cx="11156203" cy="4338000"/>
+          </a:xfrm>
+        </p:spPr>
         <p:txBody>
           <a:bodyPr/>
           <a:lstStyle/>
@@ -4602,6 +4656,9 @@
             </a:pPr>
             <a:r>
               <a:rPr lang="en-US" sz="1400" dirty="0">
+                <a:solidFill>
+                  <a:schemeClr val="bg1"/>
+                </a:solidFill>
                 <a:latin typeface="Courier New" panose="02070309020205020404" pitchFamily="49" charset="0"/>
                 <a:cs typeface="Courier New" panose="02070309020205020404" pitchFamily="49" charset="0"/>
               </a:rPr>
@@ -4609,6 +4666,9 @@
             </a:r>
             <a:r>
               <a:rPr lang="en-US" sz="1400" dirty="0" err="1" smtClean="0">
+                <a:solidFill>
+                  <a:schemeClr val="bg1"/>
+                </a:solidFill>
                 <a:latin typeface="Courier New" panose="02070309020205020404" pitchFamily="49" charset="0"/>
                 <a:cs typeface="Courier New" panose="02070309020205020404" pitchFamily="49" charset="0"/>
               </a:rPr>
@@ -4616,6 +4676,9 @@
             </a:r>
             <a:r>
               <a:rPr lang="en-US" sz="1400" dirty="0" smtClean="0">
+                <a:solidFill>
+                  <a:schemeClr val="bg1"/>
+                </a:solidFill>
                 <a:latin typeface="Courier New" panose="02070309020205020404" pitchFamily="49" charset="0"/>
                 <a:cs typeface="Courier New" panose="02070309020205020404" pitchFamily="49" charset="0"/>
               </a:rPr>
@@ -4623,6 +4686,9 @@
             </a:r>
             <a:r>
               <a:rPr lang="en-US" sz="1400" b="1" dirty="0" err="1" smtClean="0">
+                <a:solidFill>
+                  <a:schemeClr val="bg1"/>
+                </a:solidFill>
                 <a:latin typeface="Courier New" panose="02070309020205020404" pitchFamily="49" charset="0"/>
                 <a:cs typeface="Courier New" panose="02070309020205020404" pitchFamily="49" charset="0"/>
               </a:rPr>
@@ -4630,6 +4696,9 @@
             </a:r>
             <a:r>
               <a:rPr lang="en-US" sz="1400" dirty="0" err="1" smtClean="0">
+                <a:solidFill>
+                  <a:schemeClr val="bg1"/>
+                </a:solidFill>
                 <a:latin typeface="Courier New" panose="02070309020205020404" pitchFamily="49" charset="0"/>
                 <a:cs typeface="Courier New" panose="02070309020205020404" pitchFamily="49" charset="0"/>
               </a:rPr>
@@ -4637,6 +4706,9 @@
             </a:r>
             <a:r>
               <a:rPr lang="en-US" sz="1400" dirty="0" smtClean="0">
+                <a:solidFill>
+                  <a:schemeClr val="bg1"/>
+                </a:solidFill>
                 <a:latin typeface="Courier New" panose="02070309020205020404" pitchFamily="49" charset="0"/>
                 <a:cs typeface="Courier New" panose="02070309020205020404" pitchFamily="49" charset="0"/>
               </a:rPr>
@@ -4644,6 +4716,9 @@
             </a:r>
             <a:r>
               <a:rPr lang="en-US" sz="1400" b="1" dirty="0" smtClean="0">
+                <a:solidFill>
+                  <a:schemeClr val="bg1"/>
+                </a:solidFill>
                 <a:latin typeface="Courier New" panose="02070309020205020404" pitchFamily="49" charset="0"/>
                 <a:cs typeface="Courier New" panose="02070309020205020404" pitchFamily="49" charset="0"/>
               </a:rPr>
@@ -4651,6 +4726,9 @@
             </a:r>
             <a:r>
               <a:rPr lang="en-US" sz="1400" dirty="0" smtClean="0">
+                <a:solidFill>
+                  <a:schemeClr val="bg1"/>
+                </a:solidFill>
                 <a:latin typeface="Courier New" panose="02070309020205020404" pitchFamily="49" charset="0"/>
                 <a:cs typeface="Courier New" panose="02070309020205020404" pitchFamily="49" charset="0"/>
               </a:rPr>
@@ -4658,6 +4736,9 @@
             </a:r>
             <a:r>
               <a:rPr lang="en-US" sz="1400" b="1" dirty="0" smtClean="0">
+                <a:solidFill>
+                  <a:schemeClr val="bg1"/>
+                </a:solidFill>
                 <a:latin typeface="Courier New" panose="02070309020205020404" pitchFamily="49" charset="0"/>
                 <a:cs typeface="Courier New" panose="02070309020205020404" pitchFamily="49" charset="0"/>
               </a:rPr>
@@ -4665,6 +4746,9 @@
             </a:r>
             <a:r>
               <a:rPr lang="en-US" sz="1400" dirty="0" smtClean="0">
+                <a:solidFill>
+                  <a:schemeClr val="bg1"/>
+                </a:solidFill>
                 <a:latin typeface="Courier New" panose="02070309020205020404" pitchFamily="49" charset="0"/>
                 <a:cs typeface="Courier New" panose="02070309020205020404" pitchFamily="49" charset="0"/>
               </a:rPr>
@@ -4672,6 +4756,9 @@
             </a:r>
             <a:r>
               <a:rPr lang="en-US" sz="1400" b="1" dirty="0" smtClean="0">
+                <a:solidFill>
+                  <a:schemeClr val="bg1"/>
+                </a:solidFill>
                 <a:latin typeface="Courier New" panose="02070309020205020404" pitchFamily="49" charset="0"/>
                 <a:cs typeface="Courier New" panose="02070309020205020404" pitchFamily="49" charset="0"/>
               </a:rPr>
@@ -4679,6 +4766,9 @@
             </a:r>
             <a:r>
               <a:rPr lang="en-US" sz="1400" dirty="0" smtClean="0">
+                <a:solidFill>
+                  <a:schemeClr val="bg1"/>
+                </a:solidFill>
                 <a:latin typeface="Courier New" panose="02070309020205020404" pitchFamily="49" charset="0"/>
                 <a:cs typeface="Courier New" panose="02070309020205020404" pitchFamily="49" charset="0"/>
               </a:rPr>
@@ -4686,6 +4776,9 @@
             </a:r>
             <a:r>
               <a:rPr lang="en-US" sz="1400" b="1" dirty="0" smtClean="0">
+                <a:solidFill>
+                  <a:schemeClr val="bg1"/>
+                </a:solidFill>
                 <a:latin typeface="Courier New" panose="02070309020205020404" pitchFamily="49" charset="0"/>
                 <a:cs typeface="Courier New" panose="02070309020205020404" pitchFamily="49" charset="0"/>
               </a:rPr>
@@ -4693,6 +4786,9 @@
             </a:r>
             <a:r>
               <a:rPr lang="en-US" sz="1400" dirty="0" smtClean="0">
+                <a:solidFill>
+                  <a:schemeClr val="bg1"/>
+                </a:solidFill>
                 <a:latin typeface="Courier New" panose="02070309020205020404" pitchFamily="49" charset="0"/>
                 <a:cs typeface="Courier New" panose="02070309020205020404" pitchFamily="49" charset="0"/>
               </a:rPr>
@@ -4908,48 +5004,36 @@
         </p:nvSpPr>
         <p:spPr>
           <a:xfrm>
-            <a:off x="624979" y="4481339"/>
-            <a:ext cx="10729192" cy="504056"/>
+            <a:off x="624979" y="4500389"/>
+            <a:ext cx="10729192" cy="338554"/>
           </a:xfrm>
           <a:prstGeom prst="rect">
             <a:avLst/>
           </a:prstGeom>
           <a:solidFill>
-            <a:schemeClr val="tx2">
-              <a:lumMod val="20000"/>
-              <a:lumOff val="80000"/>
-            </a:schemeClr>
+            <a:schemeClr val="accent1"/>
           </a:solidFill>
-          <a:ln w="9525">
-            <a:solidFill>
-              <a:schemeClr val="tx1"/>
-            </a:solidFill>
-          </a:ln>
+          <a:effectLst>
+            <a:outerShdw blurRad="50800" dist="38100" dir="2700000" algn="tl" rotWithShape="0">
+              <a:prstClr val="black">
+                <a:alpha val="40000"/>
+              </a:prstClr>
+            </a:outerShdw>
+          </a:effectLst>
         </p:spPr>
-        <p:style>
-          <a:lnRef idx="2">
-            <a:schemeClr val="accent1">
-              <a:shade val="50000"/>
-            </a:schemeClr>
-          </a:lnRef>
-          <a:fillRef idx="1">
-            <a:schemeClr val="accent1"/>
-          </a:fillRef>
-          <a:effectRef idx="0">
-            <a:schemeClr val="accent1"/>
-          </a:effectRef>
-          <a:fontRef idx="minor">
-            <a:schemeClr val="lt1"/>
-          </a:fontRef>
-        </p:style>
-        <p:txBody>
-          <a:bodyPr rtlCol="0" anchor="ctr">
-            <a:noAutofit/>
+        <p:txBody>
+          <a:bodyPr wrap="square">
+            <a:spAutoFit/>
           </a:bodyPr>
           <a:lstStyle/>
           <a:p>
-            <a:pPr algn="ctr"/>
-            <a:endParaRPr lang="en-US" dirty="0"/>
+            <a:endParaRPr lang="en-US" sz="1600" dirty="0">
+              <a:solidFill>
+                <a:schemeClr val="bg1"/>
+              </a:solidFill>
+              <a:latin typeface="Courier New" panose="02070309020205020404" pitchFamily="49" charset="0"/>
+              <a:cs typeface="Courier New" panose="02070309020205020404" pitchFamily="49" charset="0"/>
+            </a:endParaRPr>
           </a:p>
         </p:txBody>
       </p:sp>
@@ -4961,48 +5045,36 @@
         </p:nvSpPr>
         <p:spPr>
           <a:xfrm>
-            <a:off x="624979" y="3429794"/>
-            <a:ext cx="10729192" cy="504056"/>
+            <a:off x="624979" y="3494713"/>
+            <a:ext cx="10729192" cy="338554"/>
           </a:xfrm>
           <a:prstGeom prst="rect">
             <a:avLst/>
           </a:prstGeom>
           <a:solidFill>
-            <a:schemeClr val="tx2">
-              <a:lumMod val="20000"/>
-              <a:lumOff val="80000"/>
-            </a:schemeClr>
+            <a:schemeClr val="accent1"/>
           </a:solidFill>
-          <a:ln w="9525">
-            <a:solidFill>
-              <a:schemeClr val="tx1"/>
-            </a:solidFill>
-          </a:ln>
+          <a:effectLst>
+            <a:outerShdw blurRad="50800" dist="38100" dir="2700000" algn="tl" rotWithShape="0">
+              <a:prstClr val="black">
+                <a:alpha val="40000"/>
+              </a:prstClr>
+            </a:outerShdw>
+          </a:effectLst>
         </p:spPr>
-        <p:style>
-          <a:lnRef idx="2">
-            <a:schemeClr val="accent1">
-              <a:shade val="50000"/>
-            </a:schemeClr>
-          </a:lnRef>
-          <a:fillRef idx="1">
-            <a:schemeClr val="accent1"/>
-          </a:fillRef>
-          <a:effectRef idx="0">
-            <a:schemeClr val="accent1"/>
-          </a:effectRef>
-          <a:fontRef idx="minor">
-            <a:schemeClr val="lt1"/>
-          </a:fontRef>
-        </p:style>
-        <p:txBody>
-          <a:bodyPr rtlCol="0" anchor="ctr">
-            <a:noAutofit/>
+        <p:txBody>
+          <a:bodyPr wrap="square">
+            <a:spAutoFit/>
           </a:bodyPr>
           <a:lstStyle/>
           <a:p>
-            <a:pPr algn="ctr"/>
-            <a:endParaRPr lang="en-US" dirty="0"/>
+            <a:endParaRPr lang="en-US" sz="1600" dirty="0">
+              <a:solidFill>
+                <a:schemeClr val="bg1"/>
+              </a:solidFill>
+              <a:latin typeface="Courier New" panose="02070309020205020404" pitchFamily="49" charset="0"/>
+              <a:cs typeface="Courier New" panose="02070309020205020404" pitchFamily="49" charset="0"/>
+            </a:endParaRPr>
           </a:p>
         </p:txBody>
       </p:sp>
@@ -5128,6 +5200,9 @@
             </a:pPr>
             <a:r>
               <a:rPr lang="en-US" sz="1400" dirty="0" smtClean="0">
+                <a:solidFill>
+                  <a:schemeClr val="bg1"/>
+                </a:solidFill>
                 <a:latin typeface="Courier New" panose="02070309020205020404" pitchFamily="49" charset="0"/>
                 <a:cs typeface="Courier New" panose="02070309020205020404" pitchFamily="49" charset="0"/>
               </a:rPr>
@@ -5135,6 +5210,9 @@
             </a:r>
             <a:r>
               <a:rPr lang="en-US" sz="1400" dirty="0" err="1" smtClean="0">
+                <a:solidFill>
+                  <a:schemeClr val="bg1"/>
+                </a:solidFill>
                 <a:latin typeface="Courier New" panose="02070309020205020404" pitchFamily="49" charset="0"/>
                 <a:cs typeface="Courier New" panose="02070309020205020404" pitchFamily="49" charset="0"/>
               </a:rPr>
@@ -5142,6 +5220,9 @@
             </a:r>
             <a:r>
               <a:rPr lang="en-US" sz="1400" dirty="0" smtClean="0">
+                <a:solidFill>
+                  <a:schemeClr val="bg1"/>
+                </a:solidFill>
                 <a:latin typeface="Courier New" panose="02070309020205020404" pitchFamily="49" charset="0"/>
                 <a:cs typeface="Courier New" panose="02070309020205020404" pitchFamily="49" charset="0"/>
               </a:rPr>
@@ -5167,6 +5248,9 @@
             </a:pPr>
             <a:r>
               <a:rPr lang="de-DE" sz="1400" dirty="0" err="1">
+                <a:solidFill>
+                  <a:schemeClr val="bg1"/>
+                </a:solidFill>
                 <a:latin typeface="Courier New" panose="02070309020205020404" pitchFamily="49" charset="0"/>
                 <a:cs typeface="Courier New" panose="02070309020205020404" pitchFamily="49" charset="0"/>
               </a:rPr>
@@ -5174,6 +5258,9 @@
             </a:r>
             <a:r>
               <a:rPr lang="de-DE" sz="1400" dirty="0" err="1" smtClean="0">
+                <a:solidFill>
+                  <a:schemeClr val="bg1"/>
+                </a:solidFill>
                 <a:latin typeface="Courier New" panose="02070309020205020404" pitchFamily="49" charset="0"/>
                 <a:cs typeface="Courier New" panose="02070309020205020404" pitchFamily="49" charset="0"/>
               </a:rPr>
@@ -5181,12 +5268,18 @@
             </a:r>
             <a:r>
               <a:rPr lang="de-DE" sz="1400" dirty="0" smtClean="0">
+                <a:solidFill>
+                  <a:schemeClr val="bg1"/>
+                </a:solidFill>
                 <a:latin typeface="Courier New" panose="02070309020205020404" pitchFamily="49" charset="0"/>
                 <a:cs typeface="Courier New" panose="02070309020205020404" pitchFamily="49" charset="0"/>
               </a:rPr>
               <a:t>()</a:t>
             </a:r>
             <a:endParaRPr lang="en-US" sz="1400" dirty="0">
+              <a:solidFill>
+                <a:schemeClr val="bg1"/>
+              </a:solidFill>
               <a:latin typeface="Courier New" panose="02070309020205020404" pitchFamily="49" charset="0"/>
               <a:cs typeface="Courier New" panose="02070309020205020404" pitchFamily="49" charset="0"/>
             </a:endParaRPr>
@@ -6183,48 +6276,36 @@
         </p:nvSpPr>
         <p:spPr>
           <a:xfrm>
-            <a:off x="985019" y="4653930"/>
-            <a:ext cx="10729192" cy="504056"/>
+            <a:off x="985019" y="4672980"/>
+            <a:ext cx="10729192" cy="338554"/>
           </a:xfrm>
           <a:prstGeom prst="rect">
             <a:avLst/>
           </a:prstGeom>
           <a:solidFill>
-            <a:schemeClr val="tx2">
-              <a:lumMod val="20000"/>
-              <a:lumOff val="80000"/>
-            </a:schemeClr>
+            <a:schemeClr val="accent1"/>
           </a:solidFill>
-          <a:ln w="9525">
-            <a:solidFill>
-              <a:schemeClr val="tx1"/>
-            </a:solidFill>
-          </a:ln>
+          <a:effectLst>
+            <a:outerShdw blurRad="50800" dist="38100" dir="2700000" algn="tl" rotWithShape="0">
+              <a:prstClr val="black">
+                <a:alpha val="40000"/>
+              </a:prstClr>
+            </a:outerShdw>
+          </a:effectLst>
         </p:spPr>
-        <p:style>
-          <a:lnRef idx="2">
-            <a:schemeClr val="accent1">
-              <a:shade val="50000"/>
-            </a:schemeClr>
-          </a:lnRef>
-          <a:fillRef idx="1">
-            <a:schemeClr val="accent1"/>
-          </a:fillRef>
-          <a:effectRef idx="0">
-            <a:schemeClr val="accent1"/>
-          </a:effectRef>
-          <a:fontRef idx="minor">
-            <a:schemeClr val="lt1"/>
-          </a:fontRef>
-        </p:style>
-        <p:txBody>
-          <a:bodyPr rtlCol="0" anchor="ctr">
-            <a:noAutofit/>
+        <p:txBody>
+          <a:bodyPr wrap="square">
+            <a:spAutoFit/>
           </a:bodyPr>
           <a:lstStyle/>
           <a:p>
-            <a:pPr algn="ctr"/>
-            <a:endParaRPr lang="en-US" dirty="0"/>
+            <a:endParaRPr lang="en-US" sz="1600" dirty="0">
+              <a:solidFill>
+                <a:schemeClr val="bg1"/>
+              </a:solidFill>
+              <a:latin typeface="Courier New" panose="02070309020205020404" pitchFamily="49" charset="0"/>
+              <a:cs typeface="Courier New" panose="02070309020205020404" pitchFamily="49" charset="0"/>
+            </a:endParaRPr>
           </a:p>
         </p:txBody>
       </p:sp>
@@ -6236,48 +6317,36 @@
         </p:nvSpPr>
         <p:spPr>
           <a:xfrm>
-            <a:off x="985019" y="3717826"/>
-            <a:ext cx="10729192" cy="504056"/>
+            <a:off x="985019" y="3736876"/>
+            <a:ext cx="10729192" cy="338554"/>
           </a:xfrm>
           <a:prstGeom prst="rect">
             <a:avLst/>
           </a:prstGeom>
           <a:solidFill>
-            <a:schemeClr val="tx2">
-              <a:lumMod val="20000"/>
-              <a:lumOff val="80000"/>
-            </a:schemeClr>
+            <a:schemeClr val="accent1"/>
           </a:solidFill>
-          <a:ln w="9525">
-            <a:solidFill>
-              <a:schemeClr val="tx1"/>
-            </a:solidFill>
-          </a:ln>
+          <a:effectLst>
+            <a:outerShdw blurRad="50800" dist="38100" dir="2700000" algn="tl" rotWithShape="0">
+              <a:prstClr val="black">
+                <a:alpha val="40000"/>
+              </a:prstClr>
+            </a:outerShdw>
+          </a:effectLst>
         </p:spPr>
-        <p:style>
-          <a:lnRef idx="2">
-            <a:schemeClr val="accent1">
-              <a:shade val="50000"/>
-            </a:schemeClr>
-          </a:lnRef>
-          <a:fillRef idx="1">
-            <a:schemeClr val="accent1"/>
-          </a:fillRef>
-          <a:effectRef idx="0">
-            <a:schemeClr val="accent1"/>
-          </a:effectRef>
-          <a:fontRef idx="minor">
-            <a:schemeClr val="lt1"/>
-          </a:fontRef>
-        </p:style>
-        <p:txBody>
-          <a:bodyPr rtlCol="0" anchor="ctr">
-            <a:noAutofit/>
+        <p:txBody>
+          <a:bodyPr wrap="square">
+            <a:spAutoFit/>
           </a:bodyPr>
           <a:lstStyle/>
           <a:p>
-            <a:pPr algn="ctr"/>
-            <a:endParaRPr lang="en-US" dirty="0"/>
+            <a:endParaRPr lang="en-US" sz="1600" dirty="0">
+              <a:solidFill>
+                <a:schemeClr val="bg1"/>
+              </a:solidFill>
+              <a:latin typeface="Courier New" panose="02070309020205020404" pitchFamily="49" charset="0"/>
+              <a:cs typeface="Courier New" panose="02070309020205020404" pitchFamily="49" charset="0"/>
+            </a:endParaRPr>
           </a:p>
         </p:txBody>
       </p:sp>
@@ -6289,48 +6358,45 @@
         </p:nvSpPr>
         <p:spPr>
           <a:xfrm>
-            <a:off x="985019" y="2637706"/>
-            <a:ext cx="10729192" cy="504056"/>
+            <a:off x="985019" y="2565698"/>
+            <a:ext cx="10729192" cy="584775"/>
           </a:xfrm>
           <a:prstGeom prst="rect">
             <a:avLst/>
           </a:prstGeom>
           <a:solidFill>
-            <a:schemeClr val="tx2">
-              <a:lumMod val="20000"/>
-              <a:lumOff val="80000"/>
-            </a:schemeClr>
+            <a:schemeClr val="accent1"/>
           </a:solidFill>
-          <a:ln w="9525">
-            <a:solidFill>
-              <a:schemeClr val="tx1"/>
-            </a:solidFill>
-          </a:ln>
+          <a:effectLst>
+            <a:outerShdw blurRad="50800" dist="38100" dir="2700000" algn="tl" rotWithShape="0">
+              <a:prstClr val="black">
+                <a:alpha val="40000"/>
+              </a:prstClr>
+            </a:outerShdw>
+          </a:effectLst>
         </p:spPr>
-        <p:style>
-          <a:lnRef idx="2">
-            <a:schemeClr val="accent1">
-              <a:shade val="50000"/>
-            </a:schemeClr>
-          </a:lnRef>
-          <a:fillRef idx="1">
-            <a:schemeClr val="accent1"/>
-          </a:fillRef>
-          <a:effectRef idx="0">
-            <a:schemeClr val="accent1"/>
-          </a:effectRef>
-          <a:fontRef idx="minor">
-            <a:schemeClr val="lt1"/>
-          </a:fontRef>
-        </p:style>
-        <p:txBody>
-          <a:bodyPr rtlCol="0" anchor="ctr">
-            <a:noAutofit/>
+        <p:txBody>
+          <a:bodyPr wrap="square">
+            <a:spAutoFit/>
           </a:bodyPr>
           <a:lstStyle/>
           <a:p>
-            <a:pPr algn="ctr"/>
-            <a:endParaRPr lang="en-US" dirty="0"/>
+            <a:endParaRPr lang="de-DE" sz="1600" dirty="0" smtClean="0">
+              <a:solidFill>
+                <a:schemeClr val="bg1"/>
+              </a:solidFill>
+              <a:latin typeface="Courier New" panose="02070309020205020404" pitchFamily="49" charset="0"/>
+              <a:cs typeface="Courier New" panose="02070309020205020404" pitchFamily="49" charset="0"/>
+            </a:endParaRPr>
+          </a:p>
+          <a:p>
+            <a:endParaRPr lang="en-US" sz="1600" dirty="0">
+              <a:solidFill>
+                <a:schemeClr val="bg1"/>
+              </a:solidFill>
+              <a:latin typeface="Courier New" panose="02070309020205020404" pitchFamily="49" charset="0"/>
+              <a:cs typeface="Courier New" panose="02070309020205020404" pitchFamily="49" charset="0"/>
+            </a:endParaRPr>
           </a:p>
         </p:txBody>
       </p:sp>
@@ -6419,6 +6485,9 @@
             </a:br>
             <a:r>
               <a:rPr lang="en-US" sz="1400" b="1" dirty="0" smtClean="0">
+                <a:solidFill>
+                  <a:schemeClr val="bg1"/>
+                </a:solidFill>
                 <a:latin typeface="Courier New" panose="02070309020205020404" pitchFamily="49" charset="0"/>
                 <a:cs typeface="Courier New" panose="02070309020205020404" pitchFamily="49" charset="0"/>
               </a:rPr>
@@ -6426,6 +6495,9 @@
             </a:r>
             <a:r>
               <a:rPr lang="en-US" sz="1400" dirty="0" smtClean="0">
+                <a:solidFill>
+                  <a:schemeClr val="bg1"/>
+                </a:solidFill>
                 <a:latin typeface="Courier New" panose="02070309020205020404" pitchFamily="49" charset="0"/>
                 <a:cs typeface="Courier New" panose="02070309020205020404" pitchFamily="49" charset="0"/>
               </a:rPr>
@@ -6433,6 +6505,9 @@
             </a:r>
             <a:r>
               <a:rPr lang="en-US" sz="1400" dirty="0" err="1" smtClean="0">
+                <a:solidFill>
+                  <a:schemeClr val="bg1"/>
+                </a:solidFill>
                 <a:latin typeface="Courier New" panose="02070309020205020404" pitchFamily="49" charset="0"/>
                 <a:cs typeface="Courier New" panose="02070309020205020404" pitchFamily="49" charset="0"/>
               </a:rPr>
@@ -6440,6 +6515,9 @@
             </a:r>
             <a:r>
               <a:rPr lang="en-US" sz="1400" dirty="0" smtClean="0">
+                <a:solidFill>
+                  <a:schemeClr val="bg1"/>
+                </a:solidFill>
                 <a:latin typeface="Courier New" panose="02070309020205020404" pitchFamily="49" charset="0"/>
                 <a:cs typeface="Courier New" panose="02070309020205020404" pitchFamily="49" charset="0"/>
               </a:rPr>
@@ -6447,6 +6525,9 @@
             </a:r>
             <a:r>
               <a:rPr lang="en-US" sz="1400" b="1" dirty="0" smtClean="0">
+                <a:solidFill>
+                  <a:schemeClr val="bg1"/>
+                </a:solidFill>
                 <a:latin typeface="Courier New" panose="02070309020205020404" pitchFamily="49" charset="0"/>
                 <a:cs typeface="Courier New" panose="02070309020205020404" pitchFamily="49" charset="0"/>
               </a:rPr>
@@ -6454,6 +6535,9 @@
             </a:r>
             <a:r>
               <a:rPr lang="en-US" sz="1400" dirty="0" smtClean="0">
+                <a:solidFill>
+                  <a:schemeClr val="bg1"/>
+                </a:solidFill>
                 <a:latin typeface="Courier New" panose="02070309020205020404" pitchFamily="49" charset="0"/>
                 <a:cs typeface="Courier New" panose="02070309020205020404" pitchFamily="49" charset="0"/>
               </a:rPr>
@@ -6461,6 +6545,9 @@
             </a:r>
             <a:r>
               <a:rPr lang="en-US" sz="1400" dirty="0" err="1" smtClean="0">
+                <a:solidFill>
+                  <a:schemeClr val="bg1"/>
+                </a:solidFill>
                 <a:latin typeface="Courier New" panose="02070309020205020404" pitchFamily="49" charset="0"/>
                 <a:cs typeface="Courier New" panose="02070309020205020404" pitchFamily="49" charset="0"/>
               </a:rPr>
@@ -6468,6 +6555,9 @@
             </a:r>
             <a:r>
               <a:rPr lang="en-US" sz="1400" dirty="0" smtClean="0">
+                <a:solidFill>
+                  <a:schemeClr val="bg1"/>
+                </a:solidFill>
                 <a:latin typeface="Courier New" panose="02070309020205020404" pitchFamily="49" charset="0"/>
                 <a:cs typeface="Courier New" panose="02070309020205020404" pitchFamily="49" charset="0"/>
               </a:rPr>
@@ -6475,12 +6565,18 @@
             </a:r>
             <a:br>
               <a:rPr lang="en-US" sz="1400" dirty="0" smtClean="0">
+                <a:solidFill>
+                  <a:schemeClr val="bg1"/>
+                </a:solidFill>
                 <a:latin typeface="Courier New" panose="02070309020205020404" pitchFamily="49" charset="0"/>
                 <a:cs typeface="Courier New" panose="02070309020205020404" pitchFamily="49" charset="0"/>
               </a:rPr>
             </a:br>
             <a:r>
               <a:rPr lang="en-US" sz="1400" dirty="0" smtClean="0">
+                <a:solidFill>
+                  <a:schemeClr val="bg1"/>
+                </a:solidFill>
                 <a:latin typeface="Courier New" panose="02070309020205020404" pitchFamily="49" charset="0"/>
                 <a:cs typeface="Courier New" panose="02070309020205020404" pitchFamily="49" charset="0"/>
               </a:rPr>
@@ -6488,6 +6584,9 @@
             </a:r>
             <a:r>
               <a:rPr lang="en-US" sz="1400" dirty="0" err="1" smtClean="0">
+                <a:solidFill>
+                  <a:schemeClr val="bg1"/>
+                </a:solidFill>
                 <a:latin typeface="Courier New" panose="02070309020205020404" pitchFamily="49" charset="0"/>
                 <a:cs typeface="Courier New" panose="02070309020205020404" pitchFamily="49" charset="0"/>
               </a:rPr>
@@ -6495,6 +6594,9 @@
             </a:r>
             <a:r>
               <a:rPr lang="en-US" sz="1400" dirty="0" smtClean="0">
+                <a:solidFill>
+                  <a:schemeClr val="bg1"/>
+                </a:solidFill>
                 <a:latin typeface="Courier New" panose="02070309020205020404" pitchFamily="49" charset="0"/>
                 <a:cs typeface="Courier New" panose="02070309020205020404" pitchFamily="49" charset="0"/>
               </a:rPr>
@@ -6529,6 +6631,9 @@
             </a:br>
             <a:r>
               <a:rPr lang="en-US" sz="1400" dirty="0" err="1" smtClean="0">
+                <a:solidFill>
+                  <a:schemeClr val="bg1"/>
+                </a:solidFill>
                 <a:latin typeface="Courier New" panose="02070309020205020404" pitchFamily="49" charset="0"/>
                 <a:cs typeface="Courier New" panose="02070309020205020404" pitchFamily="49" charset="0"/>
               </a:rPr>
@@ -6536,6 +6641,9 @@
             </a:r>
             <a:r>
               <a:rPr lang="en-US" sz="1400" dirty="0" smtClean="0">
+                <a:solidFill>
+                  <a:schemeClr val="bg1"/>
+                </a:solidFill>
                 <a:latin typeface="Courier New" panose="02070309020205020404" pitchFamily="49" charset="0"/>
                 <a:cs typeface="Courier New" panose="02070309020205020404" pitchFamily="49" charset="0"/>
               </a:rPr>
@@ -6543,6 +6651,9 @@
             </a:r>
             <a:r>
               <a:rPr lang="en-US" sz="1400" dirty="0" err="1" smtClean="0">
+                <a:solidFill>
+                  <a:schemeClr val="bg1"/>
+                </a:solidFill>
                 <a:latin typeface="Courier New" panose="02070309020205020404" pitchFamily="49" charset="0"/>
                 <a:cs typeface="Courier New" panose="02070309020205020404" pitchFamily="49" charset="0"/>
               </a:rPr>
@@ -6550,6 +6661,9 @@
             </a:r>
             <a:r>
               <a:rPr lang="en-US" sz="1400" dirty="0" smtClean="0">
+                <a:solidFill>
+                  <a:schemeClr val="bg1"/>
+                </a:solidFill>
                 <a:latin typeface="Courier New" panose="02070309020205020404" pitchFamily="49" charset="0"/>
                 <a:cs typeface="Courier New" panose="02070309020205020404" pitchFamily="49" charset="0"/>
               </a:rPr>
@@ -6585,6 +6699,9 @@
             </a:br>
             <a:r>
               <a:rPr lang="en-US" sz="1400" dirty="0" smtClean="0">
+                <a:solidFill>
+                  <a:schemeClr val="bg1"/>
+                </a:solidFill>
                 <a:latin typeface="Courier New" panose="02070309020205020404" pitchFamily="49" charset="0"/>
                 <a:cs typeface="Courier New" panose="02070309020205020404" pitchFamily="49" charset="0"/>
               </a:rPr>
@@ -7828,52 +7945,70 @@
         <p:spPr>
           <a:xfrm>
             <a:off x="696987" y="4509914"/>
-            <a:ext cx="10801200" cy="1296144"/>
+            <a:ext cx="10801200" cy="1323439"/>
           </a:xfrm>
           <a:prstGeom prst="rect">
             <a:avLst/>
           </a:prstGeom>
           <a:solidFill>
-            <a:schemeClr val="tx2">
-              <a:lumMod val="20000"/>
-              <a:lumOff val="80000"/>
-            </a:schemeClr>
+            <a:schemeClr val="accent1"/>
           </a:solidFill>
-          <a:ln w="9525">
-            <a:solidFill>
-              <a:schemeClr val="tx1"/>
-            </a:solidFill>
-          </a:ln>
+          <a:effectLst>
+            <a:outerShdw blurRad="50800" dist="38100" dir="2700000" algn="tl" rotWithShape="0">
+              <a:prstClr val="black">
+                <a:alpha val="40000"/>
+              </a:prstClr>
+            </a:outerShdw>
+          </a:effectLst>
         </p:spPr>
-        <p:style>
-          <a:lnRef idx="2">
-            <a:schemeClr val="accent1">
-              <a:shade val="50000"/>
-            </a:schemeClr>
-          </a:lnRef>
-          <a:fillRef idx="1">
-            <a:schemeClr val="accent1"/>
-          </a:fillRef>
-          <a:effectRef idx="0">
-            <a:schemeClr val="accent1"/>
-          </a:effectRef>
-          <a:fontRef idx="minor">
-            <a:schemeClr val="lt1"/>
-          </a:fontRef>
-        </p:style>
-        <p:txBody>
-          <a:bodyPr rtlCol="0" anchor="ctr">
-            <a:noAutofit/>
+        <p:txBody>
+          <a:bodyPr wrap="square">
+            <a:spAutoFit/>
           </a:bodyPr>
           <a:lstStyle/>
           <a:p>
-            <a:pPr algn="ctr"/>
-            <a:endParaRPr lang="en-US" dirty="0" smtClean="0">
+            <a:endParaRPr lang="de-DE" sz="1600" dirty="0" smtClean="0">
               <a:solidFill>
-                <a:schemeClr val="tx1"/>
+                <a:schemeClr val="bg1"/>
               </a:solidFill>
-              <a:latin typeface="Arial" pitchFamily="34" charset="0"/>
-              <a:cs typeface="Arial" pitchFamily="34" charset="0"/>
+              <a:latin typeface="Courier New" panose="02070309020205020404" pitchFamily="49" charset="0"/>
+              <a:cs typeface="Courier New" panose="02070309020205020404" pitchFamily="49" charset="0"/>
+            </a:endParaRPr>
+          </a:p>
+          <a:p>
+            <a:endParaRPr lang="de-DE" sz="1600" dirty="0">
+              <a:solidFill>
+                <a:schemeClr val="bg1"/>
+              </a:solidFill>
+              <a:latin typeface="Courier New" panose="02070309020205020404" pitchFamily="49" charset="0"/>
+              <a:cs typeface="Courier New" panose="02070309020205020404" pitchFamily="49" charset="0"/>
+            </a:endParaRPr>
+          </a:p>
+          <a:p>
+            <a:endParaRPr lang="de-DE" sz="1600" dirty="0" smtClean="0">
+              <a:solidFill>
+                <a:schemeClr val="bg1"/>
+              </a:solidFill>
+              <a:latin typeface="Courier New" panose="02070309020205020404" pitchFamily="49" charset="0"/>
+              <a:cs typeface="Courier New" panose="02070309020205020404" pitchFamily="49" charset="0"/>
+            </a:endParaRPr>
+          </a:p>
+          <a:p>
+            <a:endParaRPr lang="de-DE" sz="1600" dirty="0">
+              <a:solidFill>
+                <a:schemeClr val="bg1"/>
+              </a:solidFill>
+              <a:latin typeface="Courier New" panose="02070309020205020404" pitchFamily="49" charset="0"/>
+              <a:cs typeface="Courier New" panose="02070309020205020404" pitchFamily="49" charset="0"/>
+            </a:endParaRPr>
+          </a:p>
+          <a:p>
+            <a:endParaRPr lang="en-US" sz="1600" dirty="0">
+              <a:solidFill>
+                <a:schemeClr val="bg1"/>
+              </a:solidFill>
+              <a:latin typeface="Courier New" panose="02070309020205020404" pitchFamily="49" charset="0"/>
+              <a:cs typeface="Courier New" panose="02070309020205020404" pitchFamily="49" charset="0"/>
             </a:endParaRPr>
           </a:p>
         </p:txBody>
@@ -8016,7 +8151,11 @@
             </a:r>
           </a:p>
           <a:p>
-            <a:endParaRPr lang="en-US" sz="1600" dirty="0" smtClean="0"/>
+            <a:endParaRPr lang="en-US" sz="1600" dirty="0" smtClean="0">
+              <a:solidFill>
+                <a:schemeClr val="bg1"/>
+              </a:solidFill>
+            </a:endParaRPr>
           </a:p>
           <a:p>
             <a:pPr marL="896400" lvl="2" indent="0">
@@ -8024,6 +8163,9 @@
             </a:pPr>
             <a:r>
               <a:rPr lang="en-US" sz="1400" i="1" dirty="0" smtClean="0">
+                <a:solidFill>
+                  <a:schemeClr val="bg1"/>
+                </a:solidFill>
                 <a:latin typeface="Courier New" panose="02070309020205020404" pitchFamily="49" charset="0"/>
                 <a:cs typeface="Courier New" panose="02070309020205020404" pitchFamily="49" charset="0"/>
               </a:rPr>
@@ -8031,12 +8173,18 @@
             </a:r>
             <a:br>
               <a:rPr lang="en-US" sz="1400" i="1" dirty="0" smtClean="0">
+                <a:solidFill>
+                  <a:schemeClr val="bg1"/>
+                </a:solidFill>
                 <a:latin typeface="Courier New" panose="02070309020205020404" pitchFamily="49" charset="0"/>
                 <a:cs typeface="Courier New" panose="02070309020205020404" pitchFamily="49" charset="0"/>
               </a:rPr>
             </a:br>
             <a:r>
               <a:rPr lang="en-US" sz="1400" dirty="0" err="1" smtClean="0">
+                <a:solidFill>
+                  <a:schemeClr val="bg1"/>
+                </a:solidFill>
                 <a:latin typeface="Courier New" panose="02070309020205020404" pitchFamily="49" charset="0"/>
                 <a:cs typeface="Courier New" panose="02070309020205020404" pitchFamily="49" charset="0"/>
               </a:rPr>
@@ -8044,6 +8192,9 @@
             </a:r>
             <a:r>
               <a:rPr lang="en-US" sz="1400" dirty="0" smtClean="0">
+                <a:solidFill>
+                  <a:schemeClr val="bg1"/>
+                </a:solidFill>
                 <a:latin typeface="Courier New" panose="02070309020205020404" pitchFamily="49" charset="0"/>
                 <a:cs typeface="Courier New" panose="02070309020205020404" pitchFamily="49" charset="0"/>
               </a:rPr>
@@ -8051,12 +8202,18 @@
             </a:r>
             <a:br>
               <a:rPr lang="en-US" sz="1400" dirty="0" smtClean="0">
+                <a:solidFill>
+                  <a:schemeClr val="bg1"/>
+                </a:solidFill>
                 <a:latin typeface="Courier New" panose="02070309020205020404" pitchFamily="49" charset="0"/>
                 <a:cs typeface="Courier New" panose="02070309020205020404" pitchFamily="49" charset="0"/>
               </a:rPr>
             </a:br>
             <a:r>
               <a:rPr lang="en-US" sz="1400" dirty="0" smtClean="0">
+                <a:solidFill>
+                  <a:schemeClr val="bg1"/>
+                </a:solidFill>
                 <a:latin typeface="Courier New" panose="02070309020205020404" pitchFamily="49" charset="0"/>
                 <a:cs typeface="Courier New" panose="02070309020205020404" pitchFamily="49" charset="0"/>
               </a:rPr>
@@ -8064,12 +8221,18 @@
             </a:r>
             <a:br>
               <a:rPr lang="en-US" sz="1400" dirty="0" smtClean="0">
+                <a:solidFill>
+                  <a:schemeClr val="bg1"/>
+                </a:solidFill>
                 <a:latin typeface="Courier New" panose="02070309020205020404" pitchFamily="49" charset="0"/>
                 <a:cs typeface="Courier New" panose="02070309020205020404" pitchFamily="49" charset="0"/>
               </a:rPr>
             </a:br>
             <a:r>
               <a:rPr lang="en-US" sz="1400" i="1" dirty="0" smtClean="0">
+                <a:solidFill>
+                  <a:schemeClr val="bg1"/>
+                </a:solidFill>
                 <a:latin typeface="Courier New" panose="02070309020205020404" pitchFamily="49" charset="0"/>
                 <a:cs typeface="Courier New" panose="02070309020205020404" pitchFamily="49" charset="0"/>
               </a:rPr>
@@ -8077,12 +8240,18 @@
             </a:r>
             <a:br>
               <a:rPr lang="en-US" sz="1400" i="1" dirty="0" smtClean="0">
+                <a:solidFill>
+                  <a:schemeClr val="bg1"/>
+                </a:solidFill>
                 <a:latin typeface="Courier New" panose="02070309020205020404" pitchFamily="49" charset="0"/>
                 <a:cs typeface="Courier New" panose="02070309020205020404" pitchFamily="49" charset="0"/>
               </a:rPr>
             </a:br>
             <a:r>
               <a:rPr lang="en-US" sz="1400" dirty="0" err="1" smtClean="0">
+                <a:solidFill>
+                  <a:schemeClr val="bg1"/>
+                </a:solidFill>
                 <a:latin typeface="Courier New" panose="02070309020205020404" pitchFamily="49" charset="0"/>
                 <a:cs typeface="Courier New" panose="02070309020205020404" pitchFamily="49" charset="0"/>
               </a:rPr>
@@ -8090,6 +8259,9 @@
             </a:r>
             <a:r>
               <a:rPr lang="en-US" sz="1400" dirty="0" smtClean="0">
+                <a:solidFill>
+                  <a:schemeClr val="bg1"/>
+                </a:solidFill>
                 <a:latin typeface="Courier New" panose="02070309020205020404" pitchFamily="49" charset="0"/>
                 <a:cs typeface="Courier New" panose="02070309020205020404" pitchFamily="49" charset="0"/>
               </a:rPr>
@@ -8097,6 +8269,9 @@
             </a:r>
             <a:r>
               <a:rPr lang="en-US" sz="1400" dirty="0" err="1" smtClean="0">
+                <a:solidFill>
+                  <a:schemeClr val="bg1"/>
+                </a:solidFill>
                 <a:latin typeface="Courier New" panose="02070309020205020404" pitchFamily="49" charset="0"/>
                 <a:cs typeface="Courier New" panose="02070309020205020404" pitchFamily="49" charset="0"/>
               </a:rPr>
@@ -8104,6 +8279,9 @@
             </a:r>
             <a:r>
               <a:rPr lang="en-US" sz="1400" dirty="0" smtClean="0">
+                <a:solidFill>
+                  <a:schemeClr val="bg1"/>
+                </a:solidFill>
                 <a:latin typeface="Courier New" panose="02070309020205020404" pitchFamily="49" charset="0"/>
                 <a:cs typeface="Courier New" panose="02070309020205020404" pitchFamily="49" charset="0"/>
               </a:rPr>
@@ -10350,8 +10528,8 @@
           </a:p>
         </p:txBody>
       </p:sp>
-      <mc:AlternateContent xmlns:mc="http://schemas.openxmlformats.org/markup-compatibility/2006">
-        <mc:Choice xmlns:a14="http://schemas.microsoft.com/office/drawing/2010/main" Requires="a14">
+      <mc:AlternateContent xmlns:mc="http://schemas.openxmlformats.org/markup-compatibility/2006" xmlns:a14="http://schemas.microsoft.com/office/drawing/2010/main">
+        <mc:Choice Requires="a14">
           <p:sp>
             <p:nvSpPr>
               <p:cNvPr id="3" name="Textplatzhalter 2"/>
@@ -10563,7 +10741,7 @@
             </p:txBody>
           </p:sp>
         </mc:Choice>
-        <mc:Fallback>
+        <mc:Fallback xmlns="">
           <p:sp>
             <p:nvSpPr>
               <p:cNvPr id="3" name="Textplatzhalter 2"/>
@@ -11488,8 +11666,8 @@
           </a:p>
         </p:txBody>
       </p:sp>
-      <mc:AlternateContent xmlns:mc="http://schemas.openxmlformats.org/markup-compatibility/2006">
-        <mc:Choice xmlns:a14="http://schemas.microsoft.com/office/drawing/2010/main" Requires="a14">
+      <mc:AlternateContent xmlns:mc="http://schemas.openxmlformats.org/markup-compatibility/2006" xmlns:a14="http://schemas.microsoft.com/office/drawing/2010/main">
+        <mc:Choice Requires="a14">
           <p:sp>
             <p:nvSpPr>
               <p:cNvPr id="7" name="Textfeld 6"/>
@@ -11512,6 +11690,7 @@
               </a:bodyPr>
               <a:lstStyle/>
               <a:p>
+                <a:pPr/>
                 <a14:m>
                   <m:oMathPara xmlns:m="http://schemas.openxmlformats.org/officeDocument/2006/math">
                     <m:oMathParaPr>
@@ -11536,7 +11715,7 @@
             </p:txBody>
           </p:sp>
         </mc:Choice>
-        <mc:Fallback>
+        <mc:Fallback xmlns="">
           <p:sp>
             <p:nvSpPr>
               <p:cNvPr id="7" name="Textfeld 6"/>
@@ -11575,8 +11754,8 @@
           </p:sp>
         </mc:Fallback>
       </mc:AlternateContent>
-      <mc:AlternateContent xmlns:mc="http://schemas.openxmlformats.org/markup-compatibility/2006">
-        <mc:Choice xmlns:a14="http://schemas.microsoft.com/office/drawing/2010/main" Requires="a14">
+      <mc:AlternateContent xmlns:mc="http://schemas.openxmlformats.org/markup-compatibility/2006" xmlns:a14="http://schemas.microsoft.com/office/drawing/2010/main">
+        <mc:Choice Requires="a14">
           <p:sp>
             <p:nvSpPr>
               <p:cNvPr id="8" name="Textfeld 7"/>
@@ -11599,6 +11778,7 @@
               </a:bodyPr>
               <a:lstStyle/>
               <a:p>
+                <a:pPr/>
                 <a14:m>
                   <m:oMathPara xmlns:m="http://schemas.openxmlformats.org/officeDocument/2006/math">
                     <m:oMathParaPr>
@@ -11623,7 +11803,7 @@
             </p:txBody>
           </p:sp>
         </mc:Choice>
-        <mc:Fallback>
+        <mc:Fallback xmlns="">
           <p:sp>
             <p:nvSpPr>
               <p:cNvPr id="8" name="Textfeld 7"/>
@@ -11708,47 +11888,53 @@
         <p:spPr>
           <a:xfrm>
             <a:off x="841003" y="4149874"/>
-            <a:ext cx="10674940" cy="864096"/>
+            <a:ext cx="10674940" cy="830997"/>
           </a:xfrm>
           <a:prstGeom prst="rect">
             <a:avLst/>
           </a:prstGeom>
           <a:solidFill>
-            <a:schemeClr val="tx2">
-              <a:lumMod val="20000"/>
-              <a:lumOff val="80000"/>
-            </a:schemeClr>
+            <a:schemeClr val="accent1"/>
           </a:solidFill>
-          <a:ln w="9525">
-            <a:solidFill>
-              <a:schemeClr val="tx1"/>
-            </a:solidFill>
-          </a:ln>
+          <a:effectLst>
+            <a:outerShdw blurRad="50800" dist="38100" dir="2700000" algn="tl" rotWithShape="0">
+              <a:prstClr val="black">
+                <a:alpha val="40000"/>
+              </a:prstClr>
+            </a:outerShdw>
+          </a:effectLst>
         </p:spPr>
-        <p:style>
-          <a:lnRef idx="2">
-            <a:schemeClr val="accent1">
-              <a:shade val="50000"/>
-            </a:schemeClr>
-          </a:lnRef>
-          <a:fillRef idx="1">
-            <a:schemeClr val="accent1"/>
-          </a:fillRef>
-          <a:effectRef idx="0">
-            <a:schemeClr val="accent1"/>
-          </a:effectRef>
-          <a:fontRef idx="minor">
-            <a:schemeClr val="lt1"/>
-          </a:fontRef>
-        </p:style>
-        <p:txBody>
-          <a:bodyPr rtlCol="0" anchor="ctr">
-            <a:noAutofit/>
+        <p:txBody>
+          <a:bodyPr wrap="square">
+            <a:spAutoFit/>
           </a:bodyPr>
           <a:lstStyle/>
           <a:p>
-            <a:pPr algn="ctr"/>
-            <a:endParaRPr lang="en-US" dirty="0"/>
+            <a:endParaRPr lang="de-DE" sz="1600" dirty="0" smtClean="0">
+              <a:solidFill>
+                <a:schemeClr val="bg1"/>
+              </a:solidFill>
+              <a:latin typeface="Courier New" panose="02070309020205020404" pitchFamily="49" charset="0"/>
+              <a:cs typeface="Courier New" panose="02070309020205020404" pitchFamily="49" charset="0"/>
+            </a:endParaRPr>
+          </a:p>
+          <a:p>
+            <a:endParaRPr lang="de-DE" sz="1600" dirty="0">
+              <a:solidFill>
+                <a:schemeClr val="bg1"/>
+              </a:solidFill>
+              <a:latin typeface="Courier New" panose="02070309020205020404" pitchFamily="49" charset="0"/>
+              <a:cs typeface="Courier New" panose="02070309020205020404" pitchFamily="49" charset="0"/>
+            </a:endParaRPr>
+          </a:p>
+          <a:p>
+            <a:endParaRPr lang="en-US" sz="1600" dirty="0">
+              <a:solidFill>
+                <a:schemeClr val="bg1"/>
+              </a:solidFill>
+              <a:latin typeface="Courier New" panose="02070309020205020404" pitchFamily="49" charset="0"/>
+              <a:cs typeface="Courier New" panose="02070309020205020404" pitchFamily="49" charset="0"/>
+            </a:endParaRPr>
           </a:p>
         </p:txBody>
       </p:sp>
@@ -11761,47 +11947,53 @@
         <p:spPr>
           <a:xfrm>
             <a:off x="841003" y="2349674"/>
-            <a:ext cx="10674940" cy="864096"/>
+            <a:ext cx="10674940" cy="830997"/>
           </a:xfrm>
           <a:prstGeom prst="rect">
             <a:avLst/>
           </a:prstGeom>
           <a:solidFill>
-            <a:schemeClr val="tx2">
-              <a:lumMod val="20000"/>
-              <a:lumOff val="80000"/>
-            </a:schemeClr>
+            <a:schemeClr val="accent1"/>
           </a:solidFill>
-          <a:ln w="9525">
-            <a:solidFill>
-              <a:schemeClr val="tx1"/>
-            </a:solidFill>
-          </a:ln>
+          <a:effectLst>
+            <a:outerShdw blurRad="50800" dist="38100" dir="2700000" algn="tl" rotWithShape="0">
+              <a:prstClr val="black">
+                <a:alpha val="40000"/>
+              </a:prstClr>
+            </a:outerShdw>
+          </a:effectLst>
         </p:spPr>
-        <p:style>
-          <a:lnRef idx="2">
-            <a:schemeClr val="accent1">
-              <a:shade val="50000"/>
-            </a:schemeClr>
-          </a:lnRef>
-          <a:fillRef idx="1">
-            <a:schemeClr val="accent1"/>
-          </a:fillRef>
-          <a:effectRef idx="0">
-            <a:schemeClr val="accent1"/>
-          </a:effectRef>
-          <a:fontRef idx="minor">
-            <a:schemeClr val="lt1"/>
-          </a:fontRef>
-        </p:style>
-        <p:txBody>
-          <a:bodyPr rtlCol="0" anchor="ctr">
-            <a:noAutofit/>
+        <p:txBody>
+          <a:bodyPr wrap="square">
+            <a:spAutoFit/>
           </a:bodyPr>
           <a:lstStyle/>
           <a:p>
-            <a:pPr algn="ctr"/>
-            <a:endParaRPr lang="en-US" dirty="0"/>
+            <a:endParaRPr lang="de-DE" sz="1600" dirty="0" smtClean="0">
+              <a:solidFill>
+                <a:schemeClr val="bg1"/>
+              </a:solidFill>
+              <a:latin typeface="Courier New" panose="02070309020205020404" pitchFamily="49" charset="0"/>
+              <a:cs typeface="Courier New" panose="02070309020205020404" pitchFamily="49" charset="0"/>
+            </a:endParaRPr>
+          </a:p>
+          <a:p>
+            <a:endParaRPr lang="de-DE" sz="1600" dirty="0">
+              <a:solidFill>
+                <a:schemeClr val="bg1"/>
+              </a:solidFill>
+              <a:latin typeface="Courier New" panose="02070309020205020404" pitchFamily="49" charset="0"/>
+              <a:cs typeface="Courier New" panose="02070309020205020404" pitchFamily="49" charset="0"/>
+            </a:endParaRPr>
+          </a:p>
+          <a:p>
+            <a:endParaRPr lang="en-US" sz="1600" dirty="0">
+              <a:solidFill>
+                <a:schemeClr val="bg1"/>
+              </a:solidFill>
+              <a:latin typeface="Courier New" panose="02070309020205020404" pitchFamily="49" charset="0"/>
+              <a:cs typeface="Courier New" panose="02070309020205020404" pitchFamily="49" charset="0"/>
+            </a:endParaRPr>
           </a:p>
         </p:txBody>
       </p:sp>
@@ -11893,11 +12085,10 @@
               <a:t>	</a:t>
             </a:r>
             <a:r>
-              <a:rPr lang="en-US" b="1" dirty="0" smtClean="0"/>
-              <a:t> </a:t>
-            </a:r>
-            <a:r>
               <a:rPr lang="en-US" sz="1400" b="1" dirty="0" smtClean="0">
+                <a:solidFill>
+                  <a:schemeClr val="bg1"/>
+                </a:solidFill>
                 <a:latin typeface="Courier New" panose="02070309020205020404" pitchFamily="49" charset="0"/>
                 <a:cs typeface="Courier New" panose="02070309020205020404" pitchFamily="49" charset="0"/>
               </a:rPr>
@@ -11905,6 +12096,9 @@
             </a:r>
             <a:r>
               <a:rPr lang="en-US" sz="1400" dirty="0" smtClean="0">
+                <a:solidFill>
+                  <a:schemeClr val="bg1"/>
+                </a:solidFill>
                 <a:latin typeface="Courier New" panose="02070309020205020404" pitchFamily="49" charset="0"/>
                 <a:cs typeface="Courier New" panose="02070309020205020404" pitchFamily="49" charset="0"/>
               </a:rPr>
@@ -11912,6 +12106,9 @@
             </a:r>
             <a:r>
               <a:rPr lang="en-US" sz="1400" b="1" dirty="0" smtClean="0">
+                <a:solidFill>
+                  <a:schemeClr val="bg1"/>
+                </a:solidFill>
                 <a:latin typeface="Courier New" panose="02070309020205020404" pitchFamily="49" charset="0"/>
                 <a:cs typeface="Courier New" panose="02070309020205020404" pitchFamily="49" charset="0"/>
               </a:rPr>
@@ -11919,92 +12116,148 @@
             </a:r>
             <a:r>
               <a:rPr lang="en-US" sz="1400" dirty="0" err="1" smtClean="0">
+                <a:solidFill>
+                  <a:schemeClr val="bg1"/>
+                </a:solidFill>
                 <a:latin typeface="Courier New" panose="02070309020205020404" pitchFamily="49" charset="0"/>
                 <a:cs typeface="Courier New" panose="02070309020205020404" pitchFamily="49" charset="0"/>
               </a:rPr>
               <a:t>CCutShape</a:t>
             </a:r>
-            <a:endParaRPr lang="en-US" sz="1400" dirty="0" smtClean="0">
-              <a:latin typeface="Courier New" panose="02070309020205020404" pitchFamily="49" charset="0"/>
-              <a:cs typeface="Courier New" panose="02070309020205020404" pitchFamily="49" charset="0"/>
-            </a:endParaRPr>
-          </a:p>
-          <a:p>
-            <a:pPr marL="0" indent="0">
-              <a:buNone/>
-            </a:pPr>
-            <a:r>
-              <a:rPr lang="en-US" sz="1400" dirty="0" smtClean="0">
+            <a:r>
+              <a:rPr lang="en-US" sz="1400" dirty="0">
+                <a:solidFill>
+                  <a:schemeClr val="bg1"/>
+                </a:solidFill>
                 <a:latin typeface="Courier New" panose="02070309020205020404" pitchFamily="49" charset="0"/>
                 <a:cs typeface="Courier New" panose="02070309020205020404" pitchFamily="49" charset="0"/>
               </a:rPr>
-              <a:t>	 </a:t>
-            </a:r>
-            <a:r>
-              <a:rPr lang="en-US" sz="1400" dirty="0" err="1" smtClean="0">
+              <a:t/>
+            </a:r>
+            <a:br>
+              <a:rPr lang="en-US" sz="1400" dirty="0">
+                <a:solidFill>
+                  <a:schemeClr val="bg1"/>
+                </a:solidFill>
                 <a:latin typeface="Courier New" panose="02070309020205020404" pitchFamily="49" charset="0"/>
                 <a:cs typeface="Courier New" panose="02070309020205020404" pitchFamily="49" charset="0"/>
               </a:rPr>
-              <a:t>cutted_wing</a:t>
-            </a:r>
+            </a:br>
             <a:r>
               <a:rPr lang="en-US" sz="1400" dirty="0" smtClean="0">
+                <a:solidFill>
+                  <a:schemeClr val="bg1"/>
+                </a:solidFill>
                 <a:latin typeface="Courier New" panose="02070309020205020404" pitchFamily="49" charset="0"/>
                 <a:cs typeface="Courier New" panose="02070309020205020404" pitchFamily="49" charset="0"/>
               </a:rPr>
-              <a:t> = </a:t>
+              <a:t>	</a:t>
             </a:r>
             <a:r>
               <a:rPr lang="en-US" sz="1400" dirty="0" err="1" smtClean="0">
+                <a:solidFill>
+                  <a:schemeClr val="bg1"/>
+                </a:solidFill>
                 <a:latin typeface="Courier New" panose="02070309020205020404" pitchFamily="49" charset="0"/>
                 <a:cs typeface="Courier New" panose="02070309020205020404" pitchFamily="49" charset="0"/>
               </a:rPr>
-              <a:t>CCutShape</a:t>
+              <a:t>cutted_wing</a:t>
             </a:r>
             <a:r>
               <a:rPr lang="en-US" sz="1400" dirty="0" smtClean="0">
+                <a:solidFill>
+                  <a:schemeClr val="bg1"/>
+                </a:solidFill>
                 <a:latin typeface="Courier New" panose="02070309020205020404" pitchFamily="49" charset="0"/>
                 <a:cs typeface="Courier New" panose="02070309020205020404" pitchFamily="49" charset="0"/>
               </a:rPr>
-              <a:t>(</a:t>
-            </a:r>
-            <a:r>
-              <a:rPr lang="en-US" sz="1400" dirty="0" err="1" smtClean="0">
+              <a:t> </a:t>
+            </a:r>
+            <a:r>
+              <a:rPr lang="en-US" sz="1400" dirty="0" smtClean="0">
+                <a:solidFill>
+                  <a:schemeClr val="bg1"/>
+                </a:solidFill>
                 <a:latin typeface="Courier New" panose="02070309020205020404" pitchFamily="49" charset="0"/>
                 <a:cs typeface="Courier New" panose="02070309020205020404" pitchFamily="49" charset="0"/>
               </a:rPr>
-              <a:t>wing.get_loft</a:t>
-            </a:r>
-            <a:r>
-              <a:rPr lang="en-US" sz="1400" dirty="0" smtClean="0">
+              <a:t>= </a:t>
+            </a:r>
+            <a:r>
+              <a:rPr lang="en-US" sz="1400" dirty="0" err="1" smtClean="0">
+                <a:solidFill>
+                  <a:schemeClr val="bg1"/>
+                </a:solidFill>
                 <a:latin typeface="Courier New" panose="02070309020205020404" pitchFamily="49" charset="0"/>
                 <a:cs typeface="Courier New" panose="02070309020205020404" pitchFamily="49" charset="0"/>
               </a:rPr>
-              <a:t>(), </a:t>
-            </a:r>
-            <a:r>
-              <a:rPr lang="en-US" sz="1400" dirty="0" err="1" smtClean="0">
+              <a:t>CCutShape</a:t>
+            </a:r>
+            <a:r>
+              <a:rPr lang="en-US" sz="1400" dirty="0" smtClean="0">
+                <a:solidFill>
+                  <a:schemeClr val="bg1"/>
+                </a:solidFill>
                 <a:latin typeface="Courier New" panose="02070309020205020404" pitchFamily="49" charset="0"/>
                 <a:cs typeface="Courier New" panose="02070309020205020404" pitchFamily="49" charset="0"/>
               </a:rPr>
-              <a:t>fuselage.get_loft</a:t>
-            </a:r>
-            <a:r>
-              <a:rPr lang="en-US" sz="1400" dirty="0" smtClean="0">
+              <a:t>(</a:t>
+            </a:r>
+            <a:r>
+              <a:rPr lang="en-US" sz="1400" dirty="0" err="1" smtClean="0">
+                <a:solidFill>
+                  <a:schemeClr val="bg1"/>
+                </a:solidFill>
                 <a:latin typeface="Courier New" panose="02070309020205020404" pitchFamily="49" charset="0"/>
                 <a:cs typeface="Courier New" panose="02070309020205020404" pitchFamily="49" charset="0"/>
               </a:rPr>
-              <a:t>()).</a:t>
-            </a:r>
-            <a:r>
-              <a:rPr lang="en-US" sz="1400" dirty="0" err="1" smtClean="0">
+              <a:t>wing.get_loft</a:t>
+            </a:r>
+            <a:r>
+              <a:rPr lang="en-US" sz="1400" dirty="0" smtClean="0">
+                <a:solidFill>
+                  <a:schemeClr val="bg1"/>
+                </a:solidFill>
                 <a:latin typeface="Courier New" panose="02070309020205020404" pitchFamily="49" charset="0"/>
                 <a:cs typeface="Courier New" panose="02070309020205020404" pitchFamily="49" charset="0"/>
               </a:rPr>
+              <a:t>(), </a:t>
+            </a:r>
+            <a:r>
+              <a:rPr lang="en-US" sz="1400" dirty="0" err="1" smtClean="0">
+                <a:solidFill>
+                  <a:schemeClr val="bg1"/>
+                </a:solidFill>
+                <a:latin typeface="Courier New" panose="02070309020205020404" pitchFamily="49" charset="0"/>
+                <a:cs typeface="Courier New" panose="02070309020205020404" pitchFamily="49" charset="0"/>
+              </a:rPr>
+              <a:t>fuselage.get_loft</a:t>
+            </a:r>
+            <a:r>
+              <a:rPr lang="en-US" sz="1400" dirty="0" smtClean="0">
+                <a:solidFill>
+                  <a:schemeClr val="bg1"/>
+                </a:solidFill>
+                <a:latin typeface="Courier New" panose="02070309020205020404" pitchFamily="49" charset="0"/>
+                <a:cs typeface="Courier New" panose="02070309020205020404" pitchFamily="49" charset="0"/>
+              </a:rPr>
+              <a:t>()).</a:t>
+            </a:r>
+            <a:r>
+              <a:rPr lang="en-US" sz="1400" dirty="0" err="1" smtClean="0">
+                <a:solidFill>
+                  <a:schemeClr val="bg1"/>
+                </a:solidFill>
+                <a:latin typeface="Courier New" panose="02070309020205020404" pitchFamily="49" charset="0"/>
+                <a:cs typeface="Courier New" panose="02070309020205020404" pitchFamily="49" charset="0"/>
+              </a:rPr>
               <a:t>named_shape</a:t>
             </a:r>
             <a:r>
               <a:rPr lang="en-US" sz="1400" dirty="0" smtClean="0">
+                <a:solidFill>
+                  <a:schemeClr val="bg1"/>
+                </a:solidFill>
                 <a:latin typeface="Courier New" panose="02070309020205020404" pitchFamily="49" charset="0"/>
                 <a:cs typeface="Courier New" panose="02070309020205020404" pitchFamily="49" charset="0"/>
               </a:rPr>
@@ -12067,6 +12320,9 @@
             </a:r>
             <a:r>
               <a:rPr lang="en-US" sz="1400" dirty="0" err="1" smtClean="0">
+                <a:solidFill>
+                  <a:schemeClr val="bg1"/>
+                </a:solidFill>
                 <a:latin typeface="Courier New" panose="02070309020205020404" pitchFamily="49" charset="0"/>
                 <a:cs typeface="Courier New" panose="02070309020205020404" pitchFamily="49" charset="0"/>
               </a:rPr>
@@ -12074,6 +12330,9 @@
             </a:r>
             <a:r>
               <a:rPr lang="en-US" sz="1400" dirty="0" smtClean="0">
+                <a:solidFill>
+                  <a:schemeClr val="bg1"/>
+                </a:solidFill>
                 <a:latin typeface="Courier New" panose="02070309020205020404" pitchFamily="49" charset="0"/>
                 <a:cs typeface="Courier New" panose="02070309020205020404" pitchFamily="49" charset="0"/>
               </a:rPr>
@@ -12081,6 +12340,9 @@
             </a:r>
             <a:r>
               <a:rPr lang="en-US" sz="1400" dirty="0" err="1" smtClean="0">
+                <a:solidFill>
+                  <a:schemeClr val="bg1"/>
+                </a:solidFill>
                 <a:latin typeface="Courier New" panose="02070309020205020404" pitchFamily="49" charset="0"/>
                 <a:cs typeface="Courier New" panose="02070309020205020404" pitchFamily="49" charset="0"/>
               </a:rPr>
@@ -12088,6 +12350,9 @@
             </a:r>
             <a:r>
               <a:rPr lang="en-US" sz="1400" dirty="0" smtClean="0">
+                <a:solidFill>
+                  <a:schemeClr val="bg1"/>
+                </a:solidFill>
                 <a:latin typeface="Courier New" panose="02070309020205020404" pitchFamily="49" charset="0"/>
                 <a:cs typeface="Courier New" panose="02070309020205020404" pitchFamily="49" charset="0"/>
               </a:rPr>
@@ -12095,6 +12360,9 @@
             </a:r>
             <a:r>
               <a:rPr lang="en-US" sz="1400" dirty="0" err="1" smtClean="0">
+                <a:solidFill>
+                  <a:schemeClr val="bg1"/>
+                </a:solidFill>
                 <a:latin typeface="Courier New" panose="02070309020205020404" pitchFamily="49" charset="0"/>
                 <a:cs typeface="Courier New" panose="02070309020205020404" pitchFamily="49" charset="0"/>
               </a:rPr>
@@ -12102,6 +12370,9 @@
             </a:r>
             <a:r>
               <a:rPr lang="en-US" sz="1400" dirty="0" smtClean="0">
+                <a:solidFill>
+                  <a:schemeClr val="bg1"/>
+                </a:solidFill>
                 <a:latin typeface="Courier New" panose="02070309020205020404" pitchFamily="49" charset="0"/>
                 <a:cs typeface="Courier New" panose="02070309020205020404" pitchFamily="49" charset="0"/>
               </a:rPr>
@@ -12114,6 +12385,9 @@
             </a:pPr>
             <a:r>
               <a:rPr lang="en-US" sz="1400" dirty="0" smtClean="0">
+                <a:solidFill>
+                  <a:schemeClr val="bg1"/>
+                </a:solidFill>
                 <a:latin typeface="Courier New" panose="02070309020205020404" pitchFamily="49" charset="0"/>
                 <a:cs typeface="Courier New" panose="02070309020205020404" pitchFamily="49" charset="0"/>
               </a:rPr>
@@ -12121,6 +12395,9 @@
             </a:r>
             <a:r>
               <a:rPr lang="en-US" sz="1400" dirty="0" err="1" smtClean="0">
+                <a:solidFill>
+                  <a:schemeClr val="bg1"/>
+                </a:solidFill>
                 <a:latin typeface="Courier New" panose="02070309020205020404" pitchFamily="49" charset="0"/>
                 <a:cs typeface="Courier New" panose="02070309020205020404" pitchFamily="49" charset="0"/>
               </a:rPr>
@@ -12128,6 +12405,9 @@
             </a:r>
             <a:r>
               <a:rPr lang="en-US" sz="1400" dirty="0" smtClean="0">
+                <a:solidFill>
+                  <a:schemeClr val="bg1"/>
+                </a:solidFill>
                 <a:latin typeface="Courier New" panose="02070309020205020404" pitchFamily="49" charset="0"/>
                 <a:cs typeface="Courier New" panose="02070309020205020404" pitchFamily="49" charset="0"/>
               </a:rPr>
@@ -12135,6 +12415,9 @@
             </a:r>
             <a:r>
               <a:rPr lang="en-US" sz="1400" dirty="0" err="1" smtClean="0">
+                <a:solidFill>
+                  <a:schemeClr val="bg1"/>
+                </a:solidFill>
                 <a:latin typeface="Courier New" panose="02070309020205020404" pitchFamily="49" charset="0"/>
                 <a:cs typeface="Courier New" panose="02070309020205020404" pitchFamily="49" charset="0"/>
               </a:rPr>
@@ -12142,6 +12425,9 @@
             </a:r>
             <a:r>
               <a:rPr lang="en-US" sz="1400" dirty="0" smtClean="0">
+                <a:solidFill>
+                  <a:schemeClr val="bg1"/>
+                </a:solidFill>
                 <a:latin typeface="Courier New" panose="02070309020205020404" pitchFamily="49" charset="0"/>
                 <a:cs typeface="Courier New" panose="02070309020205020404" pitchFamily="49" charset="0"/>
               </a:rPr>
@@ -12149,6 +12435,9 @@
             </a:r>
             <a:r>
               <a:rPr lang="en-US" sz="1400" dirty="0" err="1" smtClean="0">
+                <a:solidFill>
+                  <a:schemeClr val="bg1"/>
+                </a:solidFill>
                 <a:latin typeface="Courier New" panose="02070309020205020404" pitchFamily="49" charset="0"/>
                 <a:cs typeface="Courier New" panose="02070309020205020404" pitchFamily="49" charset="0"/>
               </a:rPr>
@@ -12156,12 +12445,18 @@
             </a:r>
             <a:r>
               <a:rPr lang="en-US" sz="1400" dirty="0" smtClean="0">
+                <a:solidFill>
+                  <a:schemeClr val="bg1"/>
+                </a:solidFill>
                 <a:latin typeface="Courier New" panose="02070309020205020404" pitchFamily="49" charset="0"/>
                 <a:cs typeface="Courier New" panose="02070309020205020404" pitchFamily="49" charset="0"/>
               </a:rPr>
               <a:t>()</a:t>
             </a:r>
             <a:endParaRPr lang="en-US" sz="1400" dirty="0">
+              <a:solidFill>
+                <a:schemeClr val="bg1"/>
+              </a:solidFill>
               <a:latin typeface="Courier New" panose="02070309020205020404" pitchFamily="49" charset="0"/>
               <a:cs typeface="Courier New" panose="02070309020205020404" pitchFamily="49" charset="0"/>
             </a:endParaRPr>

--- a/Presentations/Python API-Customization-Visualization.pptx
+++ b/Presentations/Python API-Customization-Visualization.pptx
@@ -7006,7 +7006,27 @@
             </a:pPr>
             <a:r>
               <a:rPr lang="en-US" sz="1600" dirty="0" smtClean="0"/>
-              <a:t>Export the fused airplane to STEP format with</a:t>
+              <a:t>Export the </a:t>
+            </a:r>
+            <a:r>
+              <a:rPr lang="en-US" sz="1600" b="1" dirty="0" smtClean="0">
+                <a:solidFill>
+                  <a:srgbClr val="0070C0"/>
+                </a:solidFill>
+              </a:rPr>
+              <a:t>fused</a:t>
+            </a:r>
+            <a:r>
+              <a:rPr lang="en-US" sz="1600" dirty="0" smtClean="0">
+                <a:solidFill>
+                  <a:srgbClr val="0070C0"/>
+                </a:solidFill>
+              </a:rPr>
+              <a:t> </a:t>
+            </a:r>
+            <a:r>
+              <a:rPr lang="en-US" sz="1600" dirty="0" smtClean="0"/>
+              <a:t>airplane to STEP format with</a:t>
             </a:r>
             <a:r>
               <a:rPr lang="en-US" sz="1600" dirty="0" smtClean="0">
@@ -12171,17 +12191,7 @@
                 <a:latin typeface="Courier New" panose="02070309020205020404" pitchFamily="49" charset="0"/>
                 <a:cs typeface="Courier New" panose="02070309020205020404" pitchFamily="49" charset="0"/>
               </a:rPr>
-              <a:t> </a:t>
-            </a:r>
-            <a:r>
-              <a:rPr lang="en-US" sz="1400" dirty="0" smtClean="0">
-                <a:solidFill>
-                  <a:schemeClr val="bg1"/>
-                </a:solidFill>
-                <a:latin typeface="Courier New" panose="02070309020205020404" pitchFamily="49" charset="0"/>
-                <a:cs typeface="Courier New" panose="02070309020205020404" pitchFamily="49" charset="0"/>
-              </a:rPr>
-              <a:t>= </a:t>
+              <a:t> = </a:t>
             </a:r>
             <a:r>
               <a:rPr lang="en-US" sz="1400" dirty="0" err="1" smtClean="0">
